--- a/slides/02_map_diagnostics.pptx
+++ b/slides/02_map_diagnostics.pptx
@@ -5,7 +5,7 @@
     <p:sldMasterId id="2147483648" r:id="rId1"/>
   </p:sldMasterIdLst>
   <p:sldIdLst>
-    <p:sldId id="257" r:id="rId2"/>
+    <p:sldId id="256" r:id="rId2"/>
     <p:sldId id="1474" r:id="rId3"/>
     <p:sldId id="1475" r:id="rId4"/>
     <p:sldId id="1476" r:id="rId5"/>
@@ -277,7 +277,7 @@
           <a:p>
             <a:fld id="{9DFFAEB2-98C5-5947-A6D3-E7D6DCE397AA}" type="datetimeFigureOut">
               <a:rPr lang="en-US" smtClean="0"/>
-              <a:t>7/8/25</a:t>
+              <a:t>9/12/25</a:t>
             </a:fld>
             <a:endParaRPr lang="en-US"/>
           </a:p>
@@ -477,7 +477,7 @@
           <a:p>
             <a:fld id="{9DFFAEB2-98C5-5947-A6D3-E7D6DCE397AA}" type="datetimeFigureOut">
               <a:rPr lang="en-US" smtClean="0"/>
-              <a:t>7/8/25</a:t>
+              <a:t>9/12/25</a:t>
             </a:fld>
             <a:endParaRPr lang="en-US"/>
           </a:p>
@@ -687,7 +687,7 @@
           <a:p>
             <a:fld id="{9DFFAEB2-98C5-5947-A6D3-E7D6DCE397AA}" type="datetimeFigureOut">
               <a:rPr lang="en-US" smtClean="0"/>
-              <a:t>7/8/25</a:t>
+              <a:t>9/12/25</a:t>
             </a:fld>
             <a:endParaRPr lang="en-US"/>
           </a:p>
@@ -887,7 +887,7 @@
           <a:p>
             <a:fld id="{9DFFAEB2-98C5-5947-A6D3-E7D6DCE397AA}" type="datetimeFigureOut">
               <a:rPr lang="en-US" smtClean="0"/>
-              <a:t>7/8/25</a:t>
+              <a:t>9/12/25</a:t>
             </a:fld>
             <a:endParaRPr lang="en-US"/>
           </a:p>
@@ -1163,7 +1163,7 @@
           <a:p>
             <a:fld id="{9DFFAEB2-98C5-5947-A6D3-E7D6DCE397AA}" type="datetimeFigureOut">
               <a:rPr lang="en-US" smtClean="0"/>
-              <a:t>7/8/25</a:t>
+              <a:t>9/12/25</a:t>
             </a:fld>
             <a:endParaRPr lang="en-US"/>
           </a:p>
@@ -1431,7 +1431,7 @@
           <a:p>
             <a:fld id="{9DFFAEB2-98C5-5947-A6D3-E7D6DCE397AA}" type="datetimeFigureOut">
               <a:rPr lang="en-US" smtClean="0"/>
-              <a:t>7/8/25</a:t>
+              <a:t>9/12/25</a:t>
             </a:fld>
             <a:endParaRPr lang="en-US"/>
           </a:p>
@@ -1846,7 +1846,7 @@
           <a:p>
             <a:fld id="{9DFFAEB2-98C5-5947-A6D3-E7D6DCE397AA}" type="datetimeFigureOut">
               <a:rPr lang="en-US" smtClean="0"/>
-              <a:t>7/8/25</a:t>
+              <a:t>9/12/25</a:t>
             </a:fld>
             <a:endParaRPr lang="en-US"/>
           </a:p>
@@ -1988,7 +1988,7 @@
           <a:p>
             <a:fld id="{9DFFAEB2-98C5-5947-A6D3-E7D6DCE397AA}" type="datetimeFigureOut">
               <a:rPr lang="en-US" smtClean="0"/>
-              <a:t>7/8/25</a:t>
+              <a:t>9/12/25</a:t>
             </a:fld>
             <a:endParaRPr lang="en-US"/>
           </a:p>
@@ -2101,7 +2101,7 @@
           <a:p>
             <a:fld id="{9DFFAEB2-98C5-5947-A6D3-E7D6DCE397AA}" type="datetimeFigureOut">
               <a:rPr lang="en-US" smtClean="0"/>
-              <a:t>7/8/25</a:t>
+              <a:t>9/12/25</a:t>
             </a:fld>
             <a:endParaRPr lang="en-US"/>
           </a:p>
@@ -2414,7 +2414,7 @@
           <a:p>
             <a:fld id="{9DFFAEB2-98C5-5947-A6D3-E7D6DCE397AA}" type="datetimeFigureOut">
               <a:rPr lang="en-US" smtClean="0"/>
-              <a:t>7/8/25</a:t>
+              <a:t>9/12/25</a:t>
             </a:fld>
             <a:endParaRPr lang="en-US"/>
           </a:p>
@@ -2703,7 +2703,7 @@
           <a:p>
             <a:fld id="{9DFFAEB2-98C5-5947-A6D3-E7D6DCE397AA}" type="datetimeFigureOut">
               <a:rPr lang="en-US" smtClean="0"/>
-              <a:t>7/8/25</a:t>
+              <a:t>9/12/25</a:t>
             </a:fld>
             <a:endParaRPr lang="en-US"/>
           </a:p>
@@ -2946,7 +2946,7 @@
           <a:p>
             <a:fld id="{9DFFAEB2-98C5-5947-A6D3-E7D6DCE397AA}" type="datetimeFigureOut">
               <a:rPr lang="en-US" smtClean="0"/>
-              <a:t>7/8/25</a:t>
+              <a:t>9/12/25</a:t>
             </a:fld>
             <a:endParaRPr lang="en-US"/>
           </a:p>
@@ -3368,7 +3368,7 @@
           <p:cNvPr id="2" name="Title 1">
             <a:extLst>
               <a:ext uri="{FF2B5EF4-FFF2-40B4-BE49-F238E27FC236}">
-                <a16:creationId xmlns:a16="http://schemas.microsoft.com/office/drawing/2014/main" id="{56B7962D-6033-49E6-0AA1-6C4A36A74671}"/>
+                <a16:creationId xmlns:a16="http://schemas.microsoft.com/office/drawing/2014/main" id="{CE99398F-6199-FFAB-3718-B9A0CED2A743}"/>
               </a:ext>
             </a:extLst>
           </p:cNvPr>
@@ -3381,22 +3381,29 @@
         </p:nvSpPr>
         <p:spPr/>
         <p:txBody>
-          <a:bodyPr/>
+          <a:bodyPr>
+            <a:normAutofit fontScale="90000"/>
+          </a:bodyPr>
           <a:lstStyle/>
           <a:p>
             <a:r>
-              <a:rPr lang="en-US" dirty="0"/>
+              <a:rPr lang="en-GB" b="1" dirty="0"/>
+              <a:t>Antigenic Cartography Workshop – </a:t>
+            </a:r>
+            <a:r>
+              <a:rPr lang="en-GB" b="1"/>
               <a:t>Map Diagnostics</a:t>
             </a:r>
+            <a:endParaRPr lang="en-DE" sz="4900" dirty="0"/>
           </a:p>
         </p:txBody>
       </p:sp>
       <p:sp>
         <p:nvSpPr>
-          <p:cNvPr id="4" name="Subtitle 2">
+          <p:cNvPr id="3" name="Subtitle 2">
             <a:extLst>
               <a:ext uri="{FF2B5EF4-FFF2-40B4-BE49-F238E27FC236}">
-                <a16:creationId xmlns:a16="http://schemas.microsoft.com/office/drawing/2014/main" id="{4F27C12C-2FCE-777C-3B3C-C93DE8F52F62}"/>
+                <a16:creationId xmlns:a16="http://schemas.microsoft.com/office/drawing/2014/main" id="{257C1623-F21C-DCE1-7813-BA3A54BAEE70}"/>
               </a:ext>
             </a:extLst>
           </p:cNvPr>
@@ -3409,38 +3416,132 @@
         </p:nvSpPr>
         <p:spPr>
           <a:xfrm>
-            <a:off x="1524000" y="3602038"/>
-            <a:ext cx="9144000" cy="1655762"/>
+            <a:off x="1524000" y="3602037"/>
+            <a:ext cx="9144000" cy="2646363"/>
           </a:xfrm>
         </p:spPr>
         <p:txBody>
           <a:bodyPr>
-            <a:normAutofit/>
+            <a:normAutofit fontScale="77500" lnSpcReduction="20000"/>
           </a:bodyPr>
           <a:lstStyle/>
           <a:p>
             <a:r>
               <a:rPr lang="en-GB" b="1" dirty="0"/>
-              <a:t>NIAID CEIRR Training Program</a:t>
+              <a:t>ESFLU Training School, October 6-8, 2025</a:t>
             </a:r>
-            <a:endParaRPr lang="en-GB" dirty="0"/>
+          </a:p>
+          <a:p>
+            <a:endParaRPr lang="en-DE" dirty="0"/>
           </a:p>
           <a:p>
             <a:r>
-              <a:rPr lang="en-GB" b="1" dirty="0"/>
-              <a:t>Antigenic Cartography Workshop July 9-10, 2025</a:t>
+              <a:rPr lang="en-DE" dirty="0"/>
+              <a:t>Antonia Netzl (she/</a:t>
             </a:r>
-            <a:br>
+            <a:r>
+              <a:rPr lang="en-DE"/>
+              <a:t>her)</a:t>
+            </a:r>
+            <a:r>
+              <a:rPr lang="en-US" dirty="0"/>
+              <a:t> </a:t>
+            </a:r>
+            <a:r>
+              <a:rPr lang="en-US" dirty="0">
+                <a:hlinkClick r:id="rId2"/>
+              </a:rPr>
+              <a:t>an604@cam.ac.uk</a:t>
+            </a:r>
+            <a:endParaRPr lang="en-US" dirty="0"/>
+          </a:p>
+          <a:p>
+            <a:r>
+              <a:rPr lang="en-US" dirty="0"/>
+              <a:t>Sarah James (she/her) </a:t>
+            </a:r>
+            <a:r>
+              <a:rPr lang="en-US" dirty="0">
+                <a:hlinkClick r:id="rId3"/>
+              </a:rPr>
+              <a:t>slj38@cam.ac.uk</a:t>
+            </a:r>
+            <a:r>
+              <a:rPr lang="en-US" dirty="0"/>
+              <a:t> </a:t>
+            </a:r>
+          </a:p>
+          <a:p>
+            <a:r>
+              <a:rPr lang="en-US" dirty="0"/>
+              <a:t>Sam Turner (he/him) </a:t>
+            </a:r>
+            <a:r>
+              <a:rPr lang="en-GB" dirty="0">
+                <a:hlinkClick r:id="rId4"/>
+              </a:rPr>
+              <a:t>sat65@cam.ac.uk</a:t>
+            </a:r>
+            <a:r>
               <a:rPr lang="en-GB" dirty="0"/>
-            </a:br>
+              <a:t> </a:t>
+            </a:r>
+          </a:p>
+          <a:p>
+            <a:r>
+              <a:rPr lang="en-US" dirty="0"/>
+              <a:t>Sina Türeli (he/him) </a:t>
+            </a:r>
+            <a:r>
+              <a:rPr lang="en-US" dirty="0">
+                <a:hlinkClick r:id="rId5"/>
+              </a:rPr>
+              <a:t>st757@cam.ac.uk</a:t>
+            </a:r>
             <a:endParaRPr lang="en-US" dirty="0"/>
+          </a:p>
+          <a:p>
+            <a:r>
+              <a:rPr lang="en-US" dirty="0"/>
+              <a:t>Derek Smith (he/him) </a:t>
+            </a:r>
+            <a:r>
+              <a:rPr lang="en-US" dirty="0">
+                <a:hlinkClick r:id="rId6"/>
+              </a:rPr>
+              <a:t>djs200@cam.ac.uk</a:t>
+            </a:r>
+            <a:r>
+              <a:rPr lang="en-US" dirty="0"/>
+              <a:t> </a:t>
+            </a:r>
+            <a:endParaRPr lang="en-DE" dirty="0"/>
+          </a:p>
+          <a:p>
+            <a:r>
+              <a:rPr lang="en-DE"/>
+              <a:t>Centre </a:t>
+            </a:r>
+            <a:r>
+              <a:rPr lang="en-DE" dirty="0"/>
+              <a:t>for Pathogen Evolution, University </a:t>
+            </a:r>
+            <a:r>
+              <a:rPr lang="en-DE"/>
+              <a:t>of Cambridge</a:t>
+            </a:r>
+            <a:r>
+              <a:rPr lang="en-US" dirty="0"/>
+              <a:t>, UK</a:t>
+            </a:r>
+            <a:endParaRPr lang="en-DE" dirty="0"/>
           </a:p>
         </p:txBody>
       </p:sp>
     </p:spTree>
     <p:extLst>
       <p:ext uri="{BB962C8B-B14F-4D97-AF65-F5344CB8AC3E}">
-        <p14:creationId xmlns:p14="http://schemas.microsoft.com/office/powerpoint/2010/main" val="3317679120"/>
+        <p14:creationId xmlns:p14="http://schemas.microsoft.com/office/powerpoint/2010/main" val="2184159035"/>
       </p:ext>
     </p:extLst>
   </p:cSld>
